--- a/Figs/Presentation2.pptx
+++ b/Figs/Presentation2.pptx
@@ -104,6 +104,11 @@
       </a:defRPr>
     </a:lvl9pPr>
   </p:defaultTextStyle>
+  <p:extLst>
+    <p:ext uri="{EFAFB233-063F-42B5-8137-9DF3F51BA10A}">
+      <p15:sldGuideLst xmlns:p15="http://schemas.microsoft.com/office/powerpoint/2012/main"/>
+    </p:ext>
+  </p:extLst>
 </p:presentation>
 </file>
 
@@ -254,7 +259,7 @@
           <a:p>
             <a:fld id="{65872421-8F74-7241-9A94-7B4298213385}" type="datetimeFigureOut">
               <a:rPr lang="en-US" smtClean="0"/>
-              <a:t>11/5/21</a:t>
+              <a:t>11/10/21</a:t>
             </a:fld>
             <a:endParaRPr lang="en-US"/>
           </a:p>
@@ -452,7 +457,7 @@
           <a:p>
             <a:fld id="{65872421-8F74-7241-9A94-7B4298213385}" type="datetimeFigureOut">
               <a:rPr lang="en-US" smtClean="0"/>
-              <a:t>11/5/21</a:t>
+              <a:t>11/10/21</a:t>
             </a:fld>
             <a:endParaRPr lang="en-US"/>
           </a:p>
@@ -660,7 +665,7 @@
           <a:p>
             <a:fld id="{65872421-8F74-7241-9A94-7B4298213385}" type="datetimeFigureOut">
               <a:rPr lang="en-US" smtClean="0"/>
-              <a:t>11/5/21</a:t>
+              <a:t>11/10/21</a:t>
             </a:fld>
             <a:endParaRPr lang="en-US"/>
           </a:p>
@@ -858,7 +863,7 @@
           <a:p>
             <a:fld id="{65872421-8F74-7241-9A94-7B4298213385}" type="datetimeFigureOut">
               <a:rPr lang="en-US" smtClean="0"/>
-              <a:t>11/5/21</a:t>
+              <a:t>11/10/21</a:t>
             </a:fld>
             <a:endParaRPr lang="en-US"/>
           </a:p>
@@ -1133,7 +1138,7 @@
           <a:p>
             <a:fld id="{65872421-8F74-7241-9A94-7B4298213385}" type="datetimeFigureOut">
               <a:rPr lang="en-US" smtClean="0"/>
-              <a:t>11/5/21</a:t>
+              <a:t>11/10/21</a:t>
             </a:fld>
             <a:endParaRPr lang="en-US"/>
           </a:p>
@@ -1398,7 +1403,7 @@
           <a:p>
             <a:fld id="{65872421-8F74-7241-9A94-7B4298213385}" type="datetimeFigureOut">
               <a:rPr lang="en-US" smtClean="0"/>
-              <a:t>11/5/21</a:t>
+              <a:t>11/10/21</a:t>
             </a:fld>
             <a:endParaRPr lang="en-US"/>
           </a:p>
@@ -1810,7 +1815,7 @@
           <a:p>
             <a:fld id="{65872421-8F74-7241-9A94-7B4298213385}" type="datetimeFigureOut">
               <a:rPr lang="en-US" smtClean="0"/>
-              <a:t>11/5/21</a:t>
+              <a:t>11/10/21</a:t>
             </a:fld>
             <a:endParaRPr lang="en-US"/>
           </a:p>
@@ -1951,7 +1956,7 @@
           <a:p>
             <a:fld id="{65872421-8F74-7241-9A94-7B4298213385}" type="datetimeFigureOut">
               <a:rPr lang="en-US" smtClean="0"/>
-              <a:t>11/5/21</a:t>
+              <a:t>11/10/21</a:t>
             </a:fld>
             <a:endParaRPr lang="en-US"/>
           </a:p>
@@ -2064,7 +2069,7 @@
           <a:p>
             <a:fld id="{65872421-8F74-7241-9A94-7B4298213385}" type="datetimeFigureOut">
               <a:rPr lang="en-US" smtClean="0"/>
-              <a:t>11/5/21</a:t>
+              <a:t>11/10/21</a:t>
             </a:fld>
             <a:endParaRPr lang="en-US"/>
           </a:p>
@@ -2375,7 +2380,7 @@
           <a:p>
             <a:fld id="{65872421-8F74-7241-9A94-7B4298213385}" type="datetimeFigureOut">
               <a:rPr lang="en-US" smtClean="0"/>
-              <a:t>11/5/21</a:t>
+              <a:t>11/10/21</a:t>
             </a:fld>
             <a:endParaRPr lang="en-US"/>
           </a:p>
@@ -2663,7 +2668,7 @@
           <a:p>
             <a:fld id="{65872421-8F74-7241-9A94-7B4298213385}" type="datetimeFigureOut">
               <a:rPr lang="en-US" smtClean="0"/>
-              <a:t>11/5/21</a:t>
+              <a:t>11/10/21</a:t>
             </a:fld>
             <a:endParaRPr lang="en-US"/>
           </a:p>
@@ -2904,7 +2909,7 @@
           <a:p>
             <a:fld id="{65872421-8F74-7241-9A94-7B4298213385}" type="datetimeFigureOut">
               <a:rPr lang="en-US" smtClean="0"/>
-              <a:t>11/5/21</a:t>
+              <a:t>11/10/21</a:t>
             </a:fld>
             <a:endParaRPr lang="en-US"/>
           </a:p>
@@ -3351,49 +3356,6 @@
           </a:prstGeom>
         </p:spPr>
       </p:pic>
-      <p:sp>
-        <p:nvSpPr>
-          <p:cNvPr id="14" name="TextBox 13">
-            <a:extLst>
-              <a:ext uri="{FF2B5EF4-FFF2-40B4-BE49-F238E27FC236}">
-                <a16:creationId xmlns:a16="http://schemas.microsoft.com/office/drawing/2014/main" id="{F28FDDDE-0BDB-2847-8EA1-C6B302DC4860}"/>
-              </a:ext>
-            </a:extLst>
-          </p:cNvPr>
-          <p:cNvSpPr txBox="1"/>
-          <p:nvPr/>
-        </p:nvSpPr>
-        <p:spPr>
-          <a:xfrm rot="5400000">
-            <a:off x="5175848" y="3163921"/>
-            <a:ext cx="6604839" cy="276999"/>
-          </a:xfrm>
-          <a:prstGeom prst="rect">
-            <a:avLst/>
-          </a:prstGeom>
-          <a:noFill/>
-          <a:ln w="6350">
-            <a:solidFill>
-              <a:schemeClr val="tx1"/>
-            </a:solidFill>
-          </a:ln>
-        </p:spPr>
-        <p:txBody>
-          <a:bodyPr wrap="square" rtlCol="0">
-            <a:spAutoFit/>
-          </a:bodyPr>
-          <a:lstStyle/>
-          <a:p>
-            <a:r>
-              <a:rPr lang="en-US" sz="1200" dirty="0">
-                <a:latin typeface="Arial" panose="020B0604020202020204" pitchFamily="34" charset="0"/>
-                <a:cs typeface="Arial" panose="020B0604020202020204" pitchFamily="34" charset="0"/>
-              </a:rPr>
-              <a:t>	 Entire Experiment		Phase 2		Phase 3</a:t>
-            </a:r>
-          </a:p>
-        </p:txBody>
-      </p:sp>
       <p:cxnSp>
         <p:nvCxnSpPr>
           <p:cNvPr id="16" name="Straight Connector 15">
@@ -3435,6 +3397,60 @@
           </a:fontRef>
         </p:style>
       </p:cxnSp>
+      <p:sp>
+        <p:nvSpPr>
+          <p:cNvPr id="2" name="Rectangle 1">
+            <a:extLst>
+              <a:ext uri="{FF2B5EF4-FFF2-40B4-BE49-F238E27FC236}">
+                <a16:creationId xmlns:a16="http://schemas.microsoft.com/office/drawing/2014/main" id="{9B10E1D2-6F8B-894E-B4BA-928465BB2A9D}"/>
+              </a:ext>
+            </a:extLst>
+          </p:cNvPr>
+          <p:cNvSpPr/>
+          <p:nvPr/>
+        </p:nvSpPr>
+        <p:spPr>
+          <a:xfrm>
+            <a:off x="7744479" y="34901"/>
+            <a:ext cx="595289" cy="813188"/>
+          </a:xfrm>
+          <a:prstGeom prst="rect">
+            <a:avLst/>
+          </a:prstGeom>
+          <a:solidFill>
+            <a:schemeClr val="bg1"/>
+          </a:solidFill>
+          <a:ln>
+            <a:solidFill>
+              <a:schemeClr val="bg1"/>
+            </a:solidFill>
+          </a:ln>
+        </p:spPr>
+        <p:style>
+          <a:lnRef idx="2">
+            <a:schemeClr val="accent1">
+              <a:shade val="50000"/>
+            </a:schemeClr>
+          </a:lnRef>
+          <a:fillRef idx="1">
+            <a:schemeClr val="accent1"/>
+          </a:fillRef>
+          <a:effectRef idx="0">
+            <a:schemeClr val="accent1"/>
+          </a:effectRef>
+          <a:fontRef idx="minor">
+            <a:schemeClr val="lt1"/>
+          </a:fontRef>
+        </p:style>
+        <p:txBody>
+          <a:bodyPr rtlCol="0" anchor="ctr"/>
+          <a:lstStyle/>
+          <a:p>
+            <a:pPr algn="ctr"/>
+            <a:endParaRPr lang="en-US"/>
+          </a:p>
+        </p:txBody>
+      </p:sp>
       <p:cxnSp>
         <p:nvCxnSpPr>
           <p:cNvPr id="17" name="Straight Connector 16">
@@ -3476,6 +3492,103 @@
           </a:fontRef>
         </p:style>
       </p:cxnSp>
+      <p:sp>
+        <p:nvSpPr>
+          <p:cNvPr id="14" name="TextBox 13">
+            <a:extLst>
+              <a:ext uri="{FF2B5EF4-FFF2-40B4-BE49-F238E27FC236}">
+                <a16:creationId xmlns:a16="http://schemas.microsoft.com/office/drawing/2014/main" id="{F28FDDDE-0BDB-2847-8EA1-C6B302DC4860}"/>
+              </a:ext>
+            </a:extLst>
+          </p:cNvPr>
+          <p:cNvSpPr txBox="1"/>
+          <p:nvPr/>
+        </p:nvSpPr>
+        <p:spPr>
+          <a:xfrm rot="5400000">
+            <a:off x="5175847" y="3163920"/>
+            <a:ext cx="6604839" cy="276999"/>
+          </a:xfrm>
+          <a:prstGeom prst="rect">
+            <a:avLst/>
+          </a:prstGeom>
+          <a:noFill/>
+          <a:ln w="6350">
+            <a:solidFill>
+              <a:schemeClr val="tx1"/>
+            </a:solidFill>
+          </a:ln>
+        </p:spPr>
+        <p:txBody>
+          <a:bodyPr wrap="square" rtlCol="0">
+            <a:spAutoFit/>
+          </a:bodyPr>
+          <a:lstStyle/>
+          <a:p>
+            <a:r>
+              <a:rPr lang="en-US" sz="1200" dirty="0">
+                <a:latin typeface="Arial" panose="020B0604020202020204" pitchFamily="34" charset="0"/>
+                <a:cs typeface="Arial" panose="020B0604020202020204" pitchFamily="34" charset="0"/>
+              </a:rPr>
+              <a:t>	 Entire Experiment		Phase 2		Phase 3</a:t>
+            </a:r>
+          </a:p>
+        </p:txBody>
+      </p:sp>
+      <p:sp>
+        <p:nvSpPr>
+          <p:cNvPr id="7" name="Rectangle 6">
+            <a:extLst>
+              <a:ext uri="{FF2B5EF4-FFF2-40B4-BE49-F238E27FC236}">
+                <a16:creationId xmlns:a16="http://schemas.microsoft.com/office/drawing/2014/main" id="{80F351BE-81CF-9643-95BC-81B7F95F051B}"/>
+              </a:ext>
+            </a:extLst>
+          </p:cNvPr>
+          <p:cNvSpPr/>
+          <p:nvPr/>
+        </p:nvSpPr>
+        <p:spPr>
+          <a:xfrm>
+            <a:off x="5443355" y="34901"/>
+            <a:ext cx="595289" cy="813188"/>
+          </a:xfrm>
+          <a:prstGeom prst="rect">
+            <a:avLst/>
+          </a:prstGeom>
+          <a:solidFill>
+            <a:schemeClr val="bg1"/>
+          </a:solidFill>
+          <a:ln>
+            <a:solidFill>
+              <a:schemeClr val="bg1"/>
+            </a:solidFill>
+          </a:ln>
+        </p:spPr>
+        <p:style>
+          <a:lnRef idx="2">
+            <a:schemeClr val="accent1">
+              <a:shade val="50000"/>
+            </a:schemeClr>
+          </a:lnRef>
+          <a:fillRef idx="1">
+            <a:schemeClr val="accent1"/>
+          </a:fillRef>
+          <a:effectRef idx="0">
+            <a:schemeClr val="accent1"/>
+          </a:effectRef>
+          <a:fontRef idx="minor">
+            <a:schemeClr val="lt1"/>
+          </a:fontRef>
+        </p:style>
+        <p:txBody>
+          <a:bodyPr rtlCol="0" anchor="ctr"/>
+          <a:lstStyle/>
+          <a:p>
+            <a:pPr algn="ctr"/>
+            <a:endParaRPr lang="en-US"/>
+          </a:p>
+        </p:txBody>
+      </p:sp>
     </p:spTree>
     <p:extLst>
       <p:ext uri="{BB962C8B-B14F-4D97-AF65-F5344CB8AC3E}">
